--- a/doc/Talent5OpenPoseWeek1.pptx
+++ b/doc/Talent5OpenPoseWeek1.pptx
@@ -17,6 +17,7 @@
     <p:sldId id="267" r:id="rId11"/>
     <p:sldId id="262" r:id="rId12"/>
     <p:sldId id="265" r:id="rId13"/>
+    <p:sldId id="268" r:id="rId14"/>
   </p:sldIdLst>
   <p:sldSz cx="12192000" cy="6858000"/>
   <p:notesSz cx="6858000" cy="9144000"/>
@@ -3828,7 +3829,7 @@
         </p:nvSpPr>
         <p:spPr>
           <a:xfrm>
-            <a:off x="3091845" y="2408485"/>
+            <a:off x="2986678" y="2408485"/>
             <a:ext cx="878767" cy="369332"/>
           </a:xfrm>
           <a:prstGeom prst="rect">
@@ -3906,7 +3907,7 @@
         <p:spPr>
           <a:xfrm>
             <a:off x="5482995" y="2319194"/>
-            <a:ext cx="1661032" cy="369332"/>
+            <a:ext cx="1726755" cy="369332"/>
           </a:xfrm>
           <a:prstGeom prst="rect">
             <a:avLst/>
@@ -3921,7 +3922,11 @@
           <a:p>
             <a:r>
               <a:rPr kumimoji="1" lang="en-US" altLang="ja-JP" dirty="0" err="1"/>
-              <a:t>OpenPoseNet</a:t>
+              <a:t>OpenPose</a:t>
+            </a:r>
+            <a:r>
+              <a:rPr kumimoji="1" lang="en-US" altLang="ja-JP" dirty="0"/>
+              <a:t> Net</a:t>
             </a:r>
             <a:endParaRPr kumimoji="1" lang="ja-JP" altLang="en-US" dirty="0"/>
           </a:p>
@@ -3977,8 +3982,8 @@
         </p:nvSpPr>
         <p:spPr>
           <a:xfrm>
-            <a:off x="7395381" y="186543"/>
-            <a:ext cx="3506598" cy="1477328"/>
+            <a:off x="7269546" y="397773"/>
+            <a:ext cx="3506598" cy="1200329"/>
           </a:xfrm>
           <a:prstGeom prst="rect">
             <a:avLst/>
@@ -4037,14 +4042,7 @@
             </a:r>
             <a:r>
               <a:rPr lang="en-US" altLang="ja-JP" dirty="0" err="1"/>
-              <a:t>phận</a:t>
-            </a:r>
-            <a:endParaRPr lang="en-US" altLang="ja-JP" dirty="0"/>
-          </a:p>
-          <a:p>
-            <a:r>
-              <a:rPr lang="en-US" altLang="ja-JP" dirty="0" err="1"/>
-              <a:t>n</a:t>
+              <a:t>phậnn</a:t>
             </a:r>
             <a:r>
               <a:rPr kumimoji="1" lang="en-US" altLang="ja-JP" dirty="0" err="1"/>
@@ -4179,7 +4177,7 @@
         </p:nvSpPr>
         <p:spPr>
           <a:xfrm>
-            <a:off x="9917961" y="4296554"/>
+            <a:off x="8762786" y="4157172"/>
             <a:ext cx="1874231" cy="369332"/>
           </a:xfrm>
           <a:prstGeom prst="rect">
@@ -4643,15 +4641,15 @@
             </a:extLst>
           </p:cNvPr>
           <p:cNvCxnSpPr>
-            <a:stCxn id="8" idx="0"/>
+            <a:cxnSpLocks/>
             <a:endCxn id="10" idx="1"/>
           </p:cNvCxnSpPr>
           <p:nvPr/>
         </p:nvCxnSpPr>
         <p:spPr>
           <a:xfrm flipV="1">
-            <a:off x="5110679" y="2491342"/>
-            <a:ext cx="2969802" cy="1185503"/>
+            <a:off x="3439486" y="2491342"/>
+            <a:ext cx="4640995" cy="2357495"/>
           </a:xfrm>
           <a:prstGeom prst="straightConnector1">
             <a:avLst/>
@@ -4889,6 +4887,9 @@
               <a:rPr kumimoji="1" lang="en-US" altLang="ja-JP" dirty="0" err="1"/>
               <a:t>DataLoader</a:t>
             </a:r>
+            <a:endParaRPr kumimoji="1" lang="en-US" altLang="ja-JP" dirty="0"/>
+          </a:p>
+          <a:p>
             <a:endParaRPr kumimoji="1" lang="ja-JP" altLang="en-US" dirty="0"/>
           </a:p>
         </p:txBody>
@@ -4897,6 +4898,199 @@
     <p:extLst>
       <p:ext uri="{BB962C8B-B14F-4D97-AF65-F5344CB8AC3E}">
         <p14:creationId xmlns:p14="http://schemas.microsoft.com/office/powerpoint/2010/main" val="658845708"/>
+      </p:ext>
+    </p:extLst>
+  </p:cSld>
+  <p:clrMapOvr>
+    <a:masterClrMapping/>
+  </p:clrMapOvr>
+</p:sld>
+</file>
+
+<file path=ppt/slides/slide13.xml><?xml version="1.0" encoding="utf-8"?>
+<p:sld xmlns:a="http://schemas.openxmlformats.org/drawingml/2006/main" xmlns:r="http://schemas.openxmlformats.org/officeDocument/2006/relationships" xmlns:p="http://schemas.openxmlformats.org/presentationml/2006/main">
+  <p:cSld>
+    <p:spTree>
+      <p:nvGrpSpPr>
+        <p:cNvPr id="1" name=""/>
+        <p:cNvGrpSpPr/>
+        <p:nvPr/>
+      </p:nvGrpSpPr>
+      <p:grpSpPr>
+        <a:xfrm>
+          <a:off x="0" y="0"/>
+          <a:ext cx="0" cy="0"/>
+          <a:chOff x="0" y="0"/>
+          <a:chExt cx="0" cy="0"/>
+        </a:xfrm>
+      </p:grpSpPr>
+      <p:sp>
+        <p:nvSpPr>
+          <p:cNvPr id="2" name="タイトル 1">
+            <a:extLst>
+              <a:ext uri="{FF2B5EF4-FFF2-40B4-BE49-F238E27FC236}">
+                <a16:creationId xmlns:a16="http://schemas.microsoft.com/office/drawing/2014/main" id="{2B904804-F290-4618-BF0B-D48965B524C0}"/>
+              </a:ext>
+            </a:extLst>
+          </p:cNvPr>
+          <p:cNvSpPr>
+            <a:spLocks noGrp="1"/>
+          </p:cNvSpPr>
+          <p:nvPr>
+            <p:ph type="title"/>
+          </p:nvPr>
+        </p:nvSpPr>
+        <p:spPr/>
+        <p:txBody>
+          <a:bodyPr/>
+          <a:lstStyle/>
+          <a:p>
+            <a:r>
+              <a:rPr kumimoji="1" lang="en-US" altLang="ja-JP" dirty="0"/>
+              <a:t>QA</a:t>
+            </a:r>
+            <a:endParaRPr kumimoji="1" lang="ja-JP" altLang="en-US" dirty="0"/>
+          </a:p>
+        </p:txBody>
+      </p:sp>
+      <p:sp>
+        <p:nvSpPr>
+          <p:cNvPr id="3" name="コンテンツ プレースホルダー 2">
+            <a:extLst>
+              <a:ext uri="{FF2B5EF4-FFF2-40B4-BE49-F238E27FC236}">
+                <a16:creationId xmlns:a16="http://schemas.microsoft.com/office/drawing/2014/main" id="{105BEB45-FBA4-4A79-A8BF-336CC4347B49}"/>
+              </a:ext>
+            </a:extLst>
+          </p:cNvPr>
+          <p:cNvSpPr>
+            <a:spLocks noGrp="1"/>
+          </p:cNvSpPr>
+          <p:nvPr>
+            <p:ph idx="1"/>
+          </p:nvPr>
+        </p:nvSpPr>
+        <p:spPr/>
+        <p:txBody>
+          <a:bodyPr/>
+          <a:lstStyle/>
+          <a:p>
+            <a:pPr marL="514350" indent="-514350">
+              <a:buFont typeface="+mj-lt"/>
+              <a:buAutoNum type="arabicPeriod"/>
+            </a:pPr>
+            <a:r>
+              <a:rPr lang="en-US" altLang="ja-JP" dirty="0"/>
+              <a:t>Transfer Learning </a:t>
+            </a:r>
+            <a:r>
+              <a:rPr lang="en-US" altLang="ja-JP" dirty="0" err="1"/>
+              <a:t>cho</a:t>
+            </a:r>
+            <a:r>
+              <a:rPr lang="en-US" altLang="ja-JP" dirty="0"/>
+              <a:t> Open Pose</a:t>
+            </a:r>
+          </a:p>
+          <a:p>
+            <a:pPr marL="457200" lvl="1" indent="0">
+              <a:buNone/>
+            </a:pPr>
+            <a:endParaRPr lang="en-US" altLang="ja-JP" dirty="0"/>
+          </a:p>
+          <a:p>
+            <a:pPr marL="514350" indent="-514350">
+              <a:buFont typeface="+mj-lt"/>
+              <a:buAutoNum type="arabicPeriod"/>
+            </a:pPr>
+            <a:r>
+              <a:rPr lang="en-US" altLang="ja-JP" dirty="0" err="1"/>
+              <a:t>Chất</a:t>
+            </a:r>
+            <a:r>
+              <a:rPr lang="en-US" altLang="ja-JP" dirty="0"/>
+              <a:t> </a:t>
+            </a:r>
+            <a:r>
+              <a:rPr lang="en-US" altLang="ja-JP" dirty="0" err="1"/>
+              <a:t>lượng</a:t>
+            </a:r>
+            <a:r>
+              <a:rPr lang="en-US" altLang="ja-JP" dirty="0"/>
+              <a:t> </a:t>
+            </a:r>
+            <a:r>
+              <a:rPr lang="en-US" altLang="ja-JP" dirty="0" err="1"/>
+              <a:t>của</a:t>
+            </a:r>
+            <a:r>
+              <a:rPr lang="en-US" altLang="ja-JP" dirty="0"/>
+              <a:t> Open Pose</a:t>
+            </a:r>
+          </a:p>
+          <a:p>
+            <a:pPr marL="514350" indent="-514350">
+              <a:buFont typeface="+mj-lt"/>
+              <a:buAutoNum type="arabicPeriod"/>
+            </a:pPr>
+            <a:endParaRPr lang="en-US" altLang="ja-JP" dirty="0"/>
+          </a:p>
+          <a:p>
+            <a:pPr marL="514350" indent="-514350">
+              <a:buFont typeface="+mj-lt"/>
+              <a:buAutoNum type="arabicPeriod"/>
+            </a:pPr>
+            <a:r>
+              <a:rPr lang="en-US" altLang="ja-JP" dirty="0"/>
+              <a:t>State of the Art Open Pose</a:t>
+            </a:r>
+          </a:p>
+          <a:p>
+            <a:pPr marL="971550" lvl="1" indent="-514350">
+              <a:buFont typeface="+mj-lt"/>
+              <a:buAutoNum type="arabicPeriod"/>
+            </a:pPr>
+            <a:r>
+              <a:rPr lang="en-US" altLang="ja-JP" dirty="0">
+                <a:hlinkClick r:id="rId2"/>
+              </a:rPr>
+              <a:t>https://paperswithcode.com/task/pose-estimation</a:t>
+            </a:r>
+            <a:endParaRPr lang="en-US" altLang="ja-JP" dirty="0"/>
+          </a:p>
+          <a:p>
+            <a:pPr marL="514350" indent="-514350">
+              <a:buFont typeface="+mj-lt"/>
+              <a:buAutoNum type="arabicPeriod"/>
+            </a:pPr>
+            <a:endParaRPr lang="en-US" altLang="ja-JP" dirty="0"/>
+          </a:p>
+          <a:p>
+            <a:pPr marL="514350" indent="-514350">
+              <a:buFont typeface="+mj-lt"/>
+              <a:buAutoNum type="arabicPeriod"/>
+            </a:pPr>
+            <a:endParaRPr lang="en-US" altLang="ja-JP" dirty="0"/>
+          </a:p>
+          <a:p>
+            <a:pPr marL="514350" indent="-514350">
+              <a:buFont typeface="+mj-lt"/>
+              <a:buAutoNum type="arabicPeriod"/>
+            </a:pPr>
+            <a:endParaRPr lang="en-US" altLang="ja-JP" dirty="0"/>
+          </a:p>
+          <a:p>
+            <a:pPr marL="514350" indent="-514350">
+              <a:buFont typeface="+mj-lt"/>
+              <a:buAutoNum type="arabicPeriod"/>
+            </a:pPr>
+            <a:endParaRPr kumimoji="1" lang="ja-JP" altLang="en-US" dirty="0"/>
+          </a:p>
+        </p:txBody>
+      </p:sp>
+    </p:spTree>
+    <p:extLst>
+      <p:ext uri="{BB962C8B-B14F-4D97-AF65-F5344CB8AC3E}">
+        <p14:creationId xmlns:p14="http://schemas.microsoft.com/office/powerpoint/2010/main" val="542710762"/>
       </p:ext>
     </p:extLst>
   </p:cSld>
@@ -5244,7 +5438,15 @@
             </a:pPr>
             <a:r>
               <a:rPr kumimoji="1" lang="vi-VN" altLang="ja-JP" dirty="0"/>
-              <a:t>1. cài conda</a:t>
+              <a:t>1. cài </a:t>
+            </a:r>
+            <a:r>
+              <a:rPr kumimoji="1" lang="en-US" altLang="ja-JP" dirty="0"/>
+              <a:t>ana</a:t>
+            </a:r>
+            <a:r>
+              <a:rPr kumimoji="1" lang="vi-VN" altLang="ja-JP" dirty="0"/>
+              <a:t>conda</a:t>
             </a:r>
           </a:p>
           <a:p>
@@ -6439,7 +6641,7 @@
         <p:spPr>
           <a:xfrm>
             <a:off x="2343933" y="4107965"/>
-            <a:ext cx="904415" cy="369332"/>
+            <a:ext cx="1157689" cy="369332"/>
           </a:xfrm>
           <a:prstGeom prst="rect">
             <a:avLst/>
@@ -6459,6 +6661,18 @@
             <a:r>
               <a:rPr kumimoji="1" lang="en-US" altLang="ja-JP" dirty="0"/>
               <a:t> 2</a:t>
+            </a:r>
+            <a:r>
+              <a:rPr lang="en-US" altLang="ja-JP" dirty="0"/>
+              <a:t>,</a:t>
+            </a:r>
+            <a:r>
+              <a:rPr lang="ja-JP" altLang="en-US" dirty="0"/>
+              <a:t> </a:t>
+            </a:r>
+            <a:r>
+              <a:rPr lang="en-US" altLang="ja-JP" dirty="0"/>
+              <a:t>3</a:t>
             </a:r>
             <a:endParaRPr kumimoji="1" lang="ja-JP" altLang="en-US" dirty="0"/>
           </a:p>
@@ -6498,7 +6712,7 @@
             </a:r>
             <a:r>
               <a:rPr kumimoji="1" lang="en-US" altLang="ja-JP" dirty="0"/>
-              <a:t> 3</a:t>
+              <a:t> 4</a:t>
             </a:r>
             <a:endParaRPr kumimoji="1" lang="ja-JP" altLang="en-US" dirty="0"/>
           </a:p>
@@ -8078,6 +8292,80 @@
           </a:prstGeom>
         </p:spPr>
       </p:pic>
+      <p:sp>
+        <p:nvSpPr>
+          <p:cNvPr id="3" name="吹き出し: 角を丸めた四角形 2">
+            <a:extLst>
+              <a:ext uri="{FF2B5EF4-FFF2-40B4-BE49-F238E27FC236}">
+                <a16:creationId xmlns:a16="http://schemas.microsoft.com/office/drawing/2014/main" id="{CD8AA7EB-3CE4-4626-B51C-8F2A4B9E53AE}"/>
+              </a:ext>
+            </a:extLst>
+          </p:cNvPr>
+          <p:cNvSpPr/>
+          <p:nvPr/>
+        </p:nvSpPr>
+        <p:spPr>
+          <a:xfrm>
+            <a:off x="10301681" y="2298583"/>
+            <a:ext cx="1744910" cy="1325563"/>
+          </a:xfrm>
+          <a:prstGeom prst="wedgeRoundRectCallout">
+            <a:avLst>
+              <a:gd name="adj1" fmla="val -126304"/>
+              <a:gd name="adj2" fmla="val -14076"/>
+              <a:gd name="adj3" fmla="val 16667"/>
+            </a:avLst>
+          </a:prstGeom>
+        </p:spPr>
+        <p:style>
+          <a:lnRef idx="2">
+            <a:schemeClr val="accent1">
+              <a:shade val="50000"/>
+            </a:schemeClr>
+          </a:lnRef>
+          <a:fillRef idx="1">
+            <a:schemeClr val="accent1"/>
+          </a:fillRef>
+          <a:effectRef idx="0">
+            <a:schemeClr val="accent1"/>
+          </a:effectRef>
+          <a:fontRef idx="minor">
+            <a:schemeClr val="lt1"/>
+          </a:fontRef>
+        </p:style>
+        <p:txBody>
+          <a:bodyPr rtlCol="0" anchor="ctr"/>
+          <a:lstStyle/>
+          <a:p>
+            <a:pPr algn="ctr"/>
+            <a:r>
+              <a:rPr kumimoji="1" lang="en-US" altLang="ja-JP" dirty="0" err="1"/>
+              <a:t>Classfication</a:t>
+            </a:r>
+            <a:r>
+              <a:rPr kumimoji="1" lang="en-US" altLang="ja-JP" dirty="0"/>
+              <a:t> </a:t>
+            </a:r>
+            <a:r>
+              <a:rPr kumimoji="1" lang="en-US" altLang="ja-JP" dirty="0" err="1"/>
+              <a:t>cho</a:t>
+            </a:r>
+            <a:r>
+              <a:rPr kumimoji="1" lang="en-US" altLang="ja-JP" dirty="0"/>
+              <a:t> </a:t>
+            </a:r>
+            <a:r>
+              <a:rPr kumimoji="1" lang="en-US" altLang="ja-JP" dirty="0" err="1"/>
+              <a:t>từng</a:t>
+            </a:r>
+            <a:r>
+              <a:rPr kumimoji="1" lang="en-US" altLang="ja-JP" dirty="0"/>
+              <a:t> pixel</a:t>
+            </a:r>
+            <a:endParaRPr kumimoji="1" lang="ja-JP" altLang="en-US" dirty="0"/>
+          </a:p>
+        </p:txBody>
+      </p:sp>
     </p:spTree>
     <p:extLst>
       <p:ext uri="{BB962C8B-B14F-4D97-AF65-F5344CB8AC3E}">
@@ -8554,7 +8842,7 @@
         </p:nvSpPr>
         <p:spPr>
           <a:xfrm>
-            <a:off x="1482012" y="3315882"/>
+            <a:off x="1510354" y="3315881"/>
             <a:ext cx="195786" cy="192199"/>
           </a:xfrm>
           <a:prstGeom prst="ellipse">
@@ -8600,7 +8888,7 @@
         </p:nvSpPr>
         <p:spPr>
           <a:xfrm>
-            <a:off x="1993741" y="3348654"/>
+            <a:off x="2082565" y="3348654"/>
             <a:ext cx="195786" cy="192199"/>
           </a:xfrm>
           <a:prstGeom prst="ellipse">
@@ -8730,104 +9018,21 @@
           </a:p>
         </p:txBody>
       </p:sp>
-      <p:cxnSp>
-        <p:nvCxnSpPr>
-          <p:cNvPr id="11" name="直線コネクタ 10">
-            <a:extLst>
-              <a:ext uri="{FF2B5EF4-FFF2-40B4-BE49-F238E27FC236}">
-                <a16:creationId xmlns:a16="http://schemas.microsoft.com/office/drawing/2014/main" id="{DC619108-0DB4-49E0-8DDE-996B1333157C}"/>
-              </a:ext>
-            </a:extLst>
-          </p:cNvPr>
-          <p:cNvCxnSpPr>
-            <a:stCxn id="5" idx="6"/>
-            <a:endCxn id="6" idx="2"/>
-          </p:cNvCxnSpPr>
+      <p:sp>
+        <p:nvSpPr>
+          <p:cNvPr id="15" name="テキスト ボックス 14">
+            <a:extLst>
+              <a:ext uri="{FF2B5EF4-FFF2-40B4-BE49-F238E27FC236}">
+                <a16:creationId xmlns:a16="http://schemas.microsoft.com/office/drawing/2014/main" id="{7AE19DCD-1DF5-44F5-9705-4F2D15954848}"/>
+              </a:ext>
+            </a:extLst>
+          </p:cNvPr>
+          <p:cNvSpPr txBox="1"/>
           <p:nvPr/>
-        </p:nvCxnSpPr>
+        </p:nvSpPr>
         <p:spPr>
           <a:xfrm>
-            <a:off x="1677798" y="3411982"/>
-            <a:ext cx="315943" cy="32772"/>
-          </a:xfrm>
-          <a:prstGeom prst="line">
-            <a:avLst/>
-          </a:prstGeom>
-          <a:ln w="76200"/>
-        </p:spPr>
-        <p:style>
-          <a:lnRef idx="3">
-            <a:schemeClr val="accent1"/>
-          </a:lnRef>
-          <a:fillRef idx="0">
-            <a:schemeClr val="accent1"/>
-          </a:fillRef>
-          <a:effectRef idx="2">
-            <a:schemeClr val="accent1"/>
-          </a:effectRef>
-          <a:fontRef idx="minor">
-            <a:schemeClr val="tx1"/>
-          </a:fontRef>
-        </p:style>
-      </p:cxnSp>
-      <p:cxnSp>
-        <p:nvCxnSpPr>
-          <p:cNvPr id="12" name="直線コネクタ 11">
-            <a:extLst>
-              <a:ext uri="{FF2B5EF4-FFF2-40B4-BE49-F238E27FC236}">
-                <a16:creationId xmlns:a16="http://schemas.microsoft.com/office/drawing/2014/main" id="{3B350D16-7A00-4D35-BD0A-FC37532ED1D7}"/>
-              </a:ext>
-            </a:extLst>
-          </p:cNvPr>
-          <p:cNvCxnSpPr>
-            <a:cxnSpLocks/>
-          </p:cNvCxnSpPr>
-          <p:nvPr/>
-        </p:nvCxnSpPr>
-        <p:spPr>
-          <a:xfrm flipV="1">
-            <a:off x="3277003" y="3025993"/>
-            <a:ext cx="282005" cy="13752"/>
-          </a:xfrm>
-          <a:prstGeom prst="line">
-            <a:avLst/>
-          </a:prstGeom>
-          <a:ln w="76200">
-            <a:solidFill>
-              <a:srgbClr val="FF0000"/>
-            </a:solidFill>
-          </a:ln>
-        </p:spPr>
-        <p:style>
-          <a:lnRef idx="3">
-            <a:schemeClr val="accent1"/>
-          </a:lnRef>
-          <a:fillRef idx="0">
-            <a:schemeClr val="accent1"/>
-          </a:fillRef>
-          <a:effectRef idx="2">
-            <a:schemeClr val="accent1"/>
-          </a:effectRef>
-          <a:fontRef idx="minor">
-            <a:schemeClr val="tx1"/>
-          </a:fontRef>
-        </p:style>
-      </p:cxnSp>
-      <p:sp>
-        <p:nvSpPr>
-          <p:cNvPr id="15" name="テキスト ボックス 14">
-            <a:extLst>
-              <a:ext uri="{FF2B5EF4-FFF2-40B4-BE49-F238E27FC236}">
-                <a16:creationId xmlns:a16="http://schemas.microsoft.com/office/drawing/2014/main" id="{7AE19DCD-1DF5-44F5-9705-4F2D15954848}"/>
-              </a:ext>
-            </a:extLst>
-          </p:cNvPr>
-          <p:cNvSpPr txBox="1"/>
-          <p:nvPr/>
-        </p:nvSpPr>
-        <p:spPr>
-          <a:xfrm>
-            <a:off x="5637402" y="2189527"/>
+            <a:off x="5612235" y="1907366"/>
             <a:ext cx="4578497" cy="646331"/>
           </a:xfrm>
           <a:prstGeom prst="rect">
@@ -8907,7 +9112,7 @@
               <a:rPr kumimoji="1" lang="en-US" altLang="ja-JP" dirty="0" err="1"/>
               <a:t>nhau</a:t>
             </a:r>
-            <a:endParaRPr kumimoji="1" lang="ja-JP" altLang="en-US" dirty="0"/>
+            <a:endParaRPr kumimoji="1" lang="en-US" altLang="ja-JP" dirty="0"/>
           </a:p>
         </p:txBody>
       </p:sp>
@@ -8930,8 +9135,8 @@
           </a:xfrm>
           <a:prstGeom prst="wedgeRoundRectCallout">
             <a:avLst>
-              <a:gd name="adj1" fmla="val -22607"/>
-              <a:gd name="adj2" fmla="val -113316"/>
+              <a:gd name="adj1" fmla="val -21818"/>
+              <a:gd name="adj2" fmla="val -112053"/>
               <a:gd name="adj3" fmla="val 16667"/>
             </a:avLst>
           </a:prstGeom>
@@ -9073,6 +9278,17 @@
             <a:r>
               <a:rPr lang="en-US" altLang="ja-JP" dirty="0" err="1"/>
               <a:t>nào</a:t>
+            </a:r>
+            <a:endParaRPr lang="en-US" altLang="ja-JP" dirty="0"/>
+          </a:p>
+          <a:p>
+            <a:r>
+              <a:rPr kumimoji="1" lang="en-US" altLang="ja-JP" dirty="0"/>
+              <a:t>Cl</a:t>
+            </a:r>
+            <a:r>
+              <a:rPr lang="en-US" altLang="ja-JP" dirty="0"/>
+              <a:t>ass 16: </a:t>
             </a:r>
             <a:endParaRPr kumimoji="1" lang="ja-JP" altLang="en-US" dirty="0"/>
           </a:p>
@@ -9108,6 +9324,50 @@
           </a:prstGeom>
         </p:spPr>
       </p:pic>
+      <p:cxnSp>
+        <p:nvCxnSpPr>
+          <p:cNvPr id="21" name="直線コネクタ 20">
+            <a:extLst>
+              <a:ext uri="{FF2B5EF4-FFF2-40B4-BE49-F238E27FC236}">
+                <a16:creationId xmlns:a16="http://schemas.microsoft.com/office/drawing/2014/main" id="{86E67563-92BA-4D8F-A645-1F35554C40EA}"/>
+              </a:ext>
+            </a:extLst>
+          </p:cNvPr>
+          <p:cNvCxnSpPr>
+            <a:cxnSpLocks/>
+            <a:endCxn id="9" idx="3"/>
+          </p:cNvCxnSpPr>
+          <p:nvPr/>
+        </p:nvCxnSpPr>
+        <p:spPr>
+          <a:xfrm flipV="1">
+            <a:off x="3285474" y="3039102"/>
+            <a:ext cx="302206" cy="32822"/>
+          </a:xfrm>
+          <a:prstGeom prst="line">
+            <a:avLst/>
+          </a:prstGeom>
+          <a:ln w="76200">
+            <a:solidFill>
+              <a:srgbClr val="FF0000"/>
+            </a:solidFill>
+          </a:ln>
+        </p:spPr>
+        <p:style>
+          <a:lnRef idx="1">
+            <a:schemeClr val="accent1"/>
+          </a:lnRef>
+          <a:fillRef idx="0">
+            <a:schemeClr val="accent1"/>
+          </a:fillRef>
+          <a:effectRef idx="0">
+            <a:schemeClr val="accent1"/>
+          </a:effectRef>
+          <a:fontRef idx="minor">
+            <a:schemeClr val="tx1"/>
+          </a:fontRef>
+        </p:style>
+      </p:cxnSp>
     </p:spTree>
     <p:extLst>
       <p:ext uri="{BB962C8B-B14F-4D97-AF65-F5344CB8AC3E}">

--- a/doc/Talent5OpenPoseWeek1.pptx
+++ b/doc/Talent5OpenPoseWeek1.pptx
@@ -271,7 +271,7 @@
           <a:p>
             <a:fld id="{E4F0358C-1F7E-42AE-B3E6-43A3E571B169}" type="datetimeFigureOut">
               <a:rPr kumimoji="1" lang="ja-JP" altLang="en-US" smtClean="0"/>
-              <a:t>2021/3/21</a:t>
+              <a:t>2021/3/25</a:t>
             </a:fld>
             <a:endParaRPr kumimoji="1" lang="ja-JP" altLang="en-US"/>
           </a:p>
@@ -501,7 +501,7 @@
           <a:p>
             <a:fld id="{E4F0358C-1F7E-42AE-B3E6-43A3E571B169}" type="datetimeFigureOut">
               <a:rPr kumimoji="1" lang="ja-JP" altLang="en-US" smtClean="0"/>
-              <a:t>2021/3/21</a:t>
+              <a:t>2021/3/25</a:t>
             </a:fld>
             <a:endParaRPr kumimoji="1" lang="ja-JP" altLang="en-US"/>
           </a:p>
@@ -741,7 +741,7 @@
           <a:p>
             <a:fld id="{E4F0358C-1F7E-42AE-B3E6-43A3E571B169}" type="datetimeFigureOut">
               <a:rPr kumimoji="1" lang="ja-JP" altLang="en-US" smtClean="0"/>
-              <a:t>2021/3/21</a:t>
+              <a:t>2021/3/25</a:t>
             </a:fld>
             <a:endParaRPr kumimoji="1" lang="ja-JP" altLang="en-US"/>
           </a:p>
@@ -971,7 +971,7 @@
           <a:p>
             <a:fld id="{E4F0358C-1F7E-42AE-B3E6-43A3E571B169}" type="datetimeFigureOut">
               <a:rPr kumimoji="1" lang="ja-JP" altLang="en-US" smtClean="0"/>
-              <a:t>2021/3/21</a:t>
+              <a:t>2021/3/25</a:t>
             </a:fld>
             <a:endParaRPr kumimoji="1" lang="ja-JP" altLang="en-US"/>
           </a:p>
@@ -1246,7 +1246,7 @@
           <a:p>
             <a:fld id="{E4F0358C-1F7E-42AE-B3E6-43A3E571B169}" type="datetimeFigureOut">
               <a:rPr kumimoji="1" lang="ja-JP" altLang="en-US" smtClean="0"/>
-              <a:t>2021/3/21</a:t>
+              <a:t>2021/3/25</a:t>
             </a:fld>
             <a:endParaRPr kumimoji="1" lang="ja-JP" altLang="en-US"/>
           </a:p>
@@ -1575,7 +1575,7 @@
           <a:p>
             <a:fld id="{E4F0358C-1F7E-42AE-B3E6-43A3E571B169}" type="datetimeFigureOut">
               <a:rPr kumimoji="1" lang="ja-JP" altLang="en-US" smtClean="0"/>
-              <a:t>2021/3/21</a:t>
+              <a:t>2021/3/25</a:t>
             </a:fld>
             <a:endParaRPr kumimoji="1" lang="ja-JP" altLang="en-US"/>
           </a:p>
@@ -2051,7 +2051,7 @@
           <a:p>
             <a:fld id="{E4F0358C-1F7E-42AE-B3E6-43A3E571B169}" type="datetimeFigureOut">
               <a:rPr kumimoji="1" lang="ja-JP" altLang="en-US" smtClean="0"/>
-              <a:t>2021/3/21</a:t>
+              <a:t>2021/3/25</a:t>
             </a:fld>
             <a:endParaRPr kumimoji="1" lang="ja-JP" altLang="en-US"/>
           </a:p>
@@ -2192,7 +2192,7 @@
           <a:p>
             <a:fld id="{E4F0358C-1F7E-42AE-B3E6-43A3E571B169}" type="datetimeFigureOut">
               <a:rPr kumimoji="1" lang="ja-JP" altLang="en-US" smtClean="0"/>
-              <a:t>2021/3/21</a:t>
+              <a:t>2021/3/25</a:t>
             </a:fld>
             <a:endParaRPr kumimoji="1" lang="ja-JP" altLang="en-US"/>
           </a:p>
@@ -2305,7 +2305,7 @@
           <a:p>
             <a:fld id="{E4F0358C-1F7E-42AE-B3E6-43A3E571B169}" type="datetimeFigureOut">
               <a:rPr kumimoji="1" lang="ja-JP" altLang="en-US" smtClean="0"/>
-              <a:t>2021/3/21</a:t>
+              <a:t>2021/3/25</a:t>
             </a:fld>
             <a:endParaRPr kumimoji="1" lang="ja-JP" altLang="en-US"/>
           </a:p>
@@ -2648,7 +2648,7 @@
           <a:p>
             <a:fld id="{E4F0358C-1F7E-42AE-B3E6-43A3E571B169}" type="datetimeFigureOut">
               <a:rPr kumimoji="1" lang="ja-JP" altLang="en-US" smtClean="0"/>
-              <a:t>2021/3/21</a:t>
+              <a:t>2021/3/25</a:t>
             </a:fld>
             <a:endParaRPr kumimoji="1" lang="ja-JP" altLang="en-US"/>
           </a:p>
@@ -2936,7 +2936,7 @@
           <a:p>
             <a:fld id="{E4F0358C-1F7E-42AE-B3E6-43A3E571B169}" type="datetimeFigureOut">
               <a:rPr kumimoji="1" lang="ja-JP" altLang="en-US" smtClean="0"/>
-              <a:t>2021/3/21</a:t>
+              <a:t>2021/3/25</a:t>
             </a:fld>
             <a:endParaRPr kumimoji="1" lang="ja-JP" altLang="en-US"/>
           </a:p>
@@ -3209,7 +3209,7 @@
           <a:p>
             <a:fld id="{E4F0358C-1F7E-42AE-B3E6-43A3E571B169}" type="datetimeFigureOut">
               <a:rPr kumimoji="1" lang="ja-JP" altLang="en-US" smtClean="0"/>
-              <a:t>2021/3/21</a:t>
+              <a:t>2021/3/25</a:t>
             </a:fld>
             <a:endParaRPr kumimoji="1" lang="ja-JP" altLang="en-US"/>
           </a:p>

--- a/doc/Talent5OpenPoseWeek1.pptx
+++ b/doc/Talent5OpenPoseWeek1.pptx
@@ -271,7 +271,7 @@
           <a:p>
             <a:fld id="{E4F0358C-1F7E-42AE-B3E6-43A3E571B169}" type="datetimeFigureOut">
               <a:rPr kumimoji="1" lang="ja-JP" altLang="en-US" smtClean="0"/>
-              <a:t>2021/3/25</a:t>
+              <a:t>2021/3/27</a:t>
             </a:fld>
             <a:endParaRPr kumimoji="1" lang="ja-JP" altLang="en-US"/>
           </a:p>
@@ -501,7 +501,7 @@
           <a:p>
             <a:fld id="{E4F0358C-1F7E-42AE-B3E6-43A3E571B169}" type="datetimeFigureOut">
               <a:rPr kumimoji="1" lang="ja-JP" altLang="en-US" smtClean="0"/>
-              <a:t>2021/3/25</a:t>
+              <a:t>2021/3/27</a:t>
             </a:fld>
             <a:endParaRPr kumimoji="1" lang="ja-JP" altLang="en-US"/>
           </a:p>
@@ -741,7 +741,7 @@
           <a:p>
             <a:fld id="{E4F0358C-1F7E-42AE-B3E6-43A3E571B169}" type="datetimeFigureOut">
               <a:rPr kumimoji="1" lang="ja-JP" altLang="en-US" smtClean="0"/>
-              <a:t>2021/3/25</a:t>
+              <a:t>2021/3/27</a:t>
             </a:fld>
             <a:endParaRPr kumimoji="1" lang="ja-JP" altLang="en-US"/>
           </a:p>
@@ -971,7 +971,7 @@
           <a:p>
             <a:fld id="{E4F0358C-1F7E-42AE-B3E6-43A3E571B169}" type="datetimeFigureOut">
               <a:rPr kumimoji="1" lang="ja-JP" altLang="en-US" smtClean="0"/>
-              <a:t>2021/3/25</a:t>
+              <a:t>2021/3/27</a:t>
             </a:fld>
             <a:endParaRPr kumimoji="1" lang="ja-JP" altLang="en-US"/>
           </a:p>
@@ -1246,7 +1246,7 @@
           <a:p>
             <a:fld id="{E4F0358C-1F7E-42AE-B3E6-43A3E571B169}" type="datetimeFigureOut">
               <a:rPr kumimoji="1" lang="ja-JP" altLang="en-US" smtClean="0"/>
-              <a:t>2021/3/25</a:t>
+              <a:t>2021/3/27</a:t>
             </a:fld>
             <a:endParaRPr kumimoji="1" lang="ja-JP" altLang="en-US"/>
           </a:p>
@@ -1575,7 +1575,7 @@
           <a:p>
             <a:fld id="{E4F0358C-1F7E-42AE-B3E6-43A3E571B169}" type="datetimeFigureOut">
               <a:rPr kumimoji="1" lang="ja-JP" altLang="en-US" smtClean="0"/>
-              <a:t>2021/3/25</a:t>
+              <a:t>2021/3/27</a:t>
             </a:fld>
             <a:endParaRPr kumimoji="1" lang="ja-JP" altLang="en-US"/>
           </a:p>
@@ -2051,7 +2051,7 @@
           <a:p>
             <a:fld id="{E4F0358C-1F7E-42AE-B3E6-43A3E571B169}" type="datetimeFigureOut">
               <a:rPr kumimoji="1" lang="ja-JP" altLang="en-US" smtClean="0"/>
-              <a:t>2021/3/25</a:t>
+              <a:t>2021/3/27</a:t>
             </a:fld>
             <a:endParaRPr kumimoji="1" lang="ja-JP" altLang="en-US"/>
           </a:p>
@@ -2192,7 +2192,7 @@
           <a:p>
             <a:fld id="{E4F0358C-1F7E-42AE-B3E6-43A3E571B169}" type="datetimeFigureOut">
               <a:rPr kumimoji="1" lang="ja-JP" altLang="en-US" smtClean="0"/>
-              <a:t>2021/3/25</a:t>
+              <a:t>2021/3/27</a:t>
             </a:fld>
             <a:endParaRPr kumimoji="1" lang="ja-JP" altLang="en-US"/>
           </a:p>
@@ -2305,7 +2305,7 @@
           <a:p>
             <a:fld id="{E4F0358C-1F7E-42AE-B3E6-43A3E571B169}" type="datetimeFigureOut">
               <a:rPr kumimoji="1" lang="ja-JP" altLang="en-US" smtClean="0"/>
-              <a:t>2021/3/25</a:t>
+              <a:t>2021/3/27</a:t>
             </a:fld>
             <a:endParaRPr kumimoji="1" lang="ja-JP" altLang="en-US"/>
           </a:p>
@@ -2648,7 +2648,7 @@
           <a:p>
             <a:fld id="{E4F0358C-1F7E-42AE-B3E6-43A3E571B169}" type="datetimeFigureOut">
               <a:rPr kumimoji="1" lang="ja-JP" altLang="en-US" smtClean="0"/>
-              <a:t>2021/3/25</a:t>
+              <a:t>2021/3/27</a:t>
             </a:fld>
             <a:endParaRPr kumimoji="1" lang="ja-JP" altLang="en-US"/>
           </a:p>
@@ -2936,7 +2936,7 @@
           <a:p>
             <a:fld id="{E4F0358C-1F7E-42AE-B3E6-43A3E571B169}" type="datetimeFigureOut">
               <a:rPr kumimoji="1" lang="ja-JP" altLang="en-US" smtClean="0"/>
-              <a:t>2021/3/25</a:t>
+              <a:t>2021/3/27</a:t>
             </a:fld>
             <a:endParaRPr kumimoji="1" lang="ja-JP" altLang="en-US"/>
           </a:p>
@@ -3209,7 +3209,7 @@
           <a:p>
             <a:fld id="{E4F0358C-1F7E-42AE-B3E6-43A3E571B169}" type="datetimeFigureOut">
               <a:rPr kumimoji="1" lang="ja-JP" altLang="en-US" smtClean="0"/>
-              <a:t>2021/3/25</a:t>
+              <a:t>2021/3/27</a:t>
             </a:fld>
             <a:endParaRPr kumimoji="1" lang="ja-JP" altLang="en-US"/>
           </a:p>

--- a/doc/Talent5OpenPoseWeek1.pptx
+++ b/doc/Talent5OpenPoseWeek1.pptx
@@ -271,7 +271,7 @@
           <a:p>
             <a:fld id="{E4F0358C-1F7E-42AE-B3E6-43A3E571B169}" type="datetimeFigureOut">
               <a:rPr kumimoji="1" lang="ja-JP" altLang="en-US" smtClean="0"/>
-              <a:t>2021/3/27</a:t>
+              <a:t>2021/4/4</a:t>
             </a:fld>
             <a:endParaRPr kumimoji="1" lang="ja-JP" altLang="en-US"/>
           </a:p>
@@ -501,7 +501,7 @@
           <a:p>
             <a:fld id="{E4F0358C-1F7E-42AE-B3E6-43A3E571B169}" type="datetimeFigureOut">
               <a:rPr kumimoji="1" lang="ja-JP" altLang="en-US" smtClean="0"/>
-              <a:t>2021/3/27</a:t>
+              <a:t>2021/4/4</a:t>
             </a:fld>
             <a:endParaRPr kumimoji="1" lang="ja-JP" altLang="en-US"/>
           </a:p>
@@ -741,7 +741,7 @@
           <a:p>
             <a:fld id="{E4F0358C-1F7E-42AE-B3E6-43A3E571B169}" type="datetimeFigureOut">
               <a:rPr kumimoji="1" lang="ja-JP" altLang="en-US" smtClean="0"/>
-              <a:t>2021/3/27</a:t>
+              <a:t>2021/4/4</a:t>
             </a:fld>
             <a:endParaRPr kumimoji="1" lang="ja-JP" altLang="en-US"/>
           </a:p>
@@ -971,7 +971,7 @@
           <a:p>
             <a:fld id="{E4F0358C-1F7E-42AE-B3E6-43A3E571B169}" type="datetimeFigureOut">
               <a:rPr kumimoji="1" lang="ja-JP" altLang="en-US" smtClean="0"/>
-              <a:t>2021/3/27</a:t>
+              <a:t>2021/4/4</a:t>
             </a:fld>
             <a:endParaRPr kumimoji="1" lang="ja-JP" altLang="en-US"/>
           </a:p>
@@ -1246,7 +1246,7 @@
           <a:p>
             <a:fld id="{E4F0358C-1F7E-42AE-B3E6-43A3E571B169}" type="datetimeFigureOut">
               <a:rPr kumimoji="1" lang="ja-JP" altLang="en-US" smtClean="0"/>
-              <a:t>2021/3/27</a:t>
+              <a:t>2021/4/4</a:t>
             </a:fld>
             <a:endParaRPr kumimoji="1" lang="ja-JP" altLang="en-US"/>
           </a:p>
@@ -1575,7 +1575,7 @@
           <a:p>
             <a:fld id="{E4F0358C-1F7E-42AE-B3E6-43A3E571B169}" type="datetimeFigureOut">
               <a:rPr kumimoji="1" lang="ja-JP" altLang="en-US" smtClean="0"/>
-              <a:t>2021/3/27</a:t>
+              <a:t>2021/4/4</a:t>
             </a:fld>
             <a:endParaRPr kumimoji="1" lang="ja-JP" altLang="en-US"/>
           </a:p>
@@ -2051,7 +2051,7 @@
           <a:p>
             <a:fld id="{E4F0358C-1F7E-42AE-B3E6-43A3E571B169}" type="datetimeFigureOut">
               <a:rPr kumimoji="1" lang="ja-JP" altLang="en-US" smtClean="0"/>
-              <a:t>2021/3/27</a:t>
+              <a:t>2021/4/4</a:t>
             </a:fld>
             <a:endParaRPr kumimoji="1" lang="ja-JP" altLang="en-US"/>
           </a:p>
@@ -2192,7 +2192,7 @@
           <a:p>
             <a:fld id="{E4F0358C-1F7E-42AE-B3E6-43A3E571B169}" type="datetimeFigureOut">
               <a:rPr kumimoji="1" lang="ja-JP" altLang="en-US" smtClean="0"/>
-              <a:t>2021/3/27</a:t>
+              <a:t>2021/4/4</a:t>
             </a:fld>
             <a:endParaRPr kumimoji="1" lang="ja-JP" altLang="en-US"/>
           </a:p>
@@ -2305,7 +2305,7 @@
           <a:p>
             <a:fld id="{E4F0358C-1F7E-42AE-B3E6-43A3E571B169}" type="datetimeFigureOut">
               <a:rPr kumimoji="1" lang="ja-JP" altLang="en-US" smtClean="0"/>
-              <a:t>2021/3/27</a:t>
+              <a:t>2021/4/4</a:t>
             </a:fld>
             <a:endParaRPr kumimoji="1" lang="ja-JP" altLang="en-US"/>
           </a:p>
@@ -2648,7 +2648,7 @@
           <a:p>
             <a:fld id="{E4F0358C-1F7E-42AE-B3E6-43A3E571B169}" type="datetimeFigureOut">
               <a:rPr kumimoji="1" lang="ja-JP" altLang="en-US" smtClean="0"/>
-              <a:t>2021/3/27</a:t>
+              <a:t>2021/4/4</a:t>
             </a:fld>
             <a:endParaRPr kumimoji="1" lang="ja-JP" altLang="en-US"/>
           </a:p>
@@ -2936,7 +2936,7 @@
           <a:p>
             <a:fld id="{E4F0358C-1F7E-42AE-B3E6-43A3E571B169}" type="datetimeFigureOut">
               <a:rPr kumimoji="1" lang="ja-JP" altLang="en-US" smtClean="0"/>
-              <a:t>2021/3/27</a:t>
+              <a:t>2021/4/4</a:t>
             </a:fld>
             <a:endParaRPr kumimoji="1" lang="ja-JP" altLang="en-US"/>
           </a:p>
@@ -3209,7 +3209,7 @@
           <a:p>
             <a:fld id="{E4F0358C-1F7E-42AE-B3E6-43A3E571B169}" type="datetimeFigureOut">
               <a:rPr kumimoji="1" lang="ja-JP" altLang="en-US" smtClean="0"/>
-              <a:t>2021/3/27</a:t>
+              <a:t>2021/4/4</a:t>
             </a:fld>
             <a:endParaRPr kumimoji="1" lang="ja-JP" altLang="en-US"/>
           </a:p>
